--- a/summary_format.pptx
+++ b/summary_format.pptx
@@ -243,7 +243,7 @@
           <a:p>
             <a:fld id="{1883CB1D-3F07-5442-93CE-7F2480D29A28}" type="datetimeFigureOut">
               <a:rPr kumimoji="1" lang="ja-JP" altLang="en-US" smtClean="0"/>
-              <a:t>2019/3/15</a:t>
+              <a:t>2019/3/29</a:t>
             </a:fld>
             <a:endParaRPr kumimoji="1" lang="ja-JP" altLang="en-US"/>
           </a:p>
@@ -421,7 +421,7 @@
           <a:p>
             <a:fld id="{1883CB1D-3F07-5442-93CE-7F2480D29A28}" type="datetimeFigureOut">
               <a:rPr kumimoji="1" lang="ja-JP" altLang="en-US" smtClean="0"/>
-              <a:t>2019/3/15</a:t>
+              <a:t>2019/3/29</a:t>
             </a:fld>
             <a:endParaRPr kumimoji="1" lang="ja-JP" altLang="en-US"/>
           </a:p>
@@ -609,7 +609,7 @@
           <a:p>
             <a:fld id="{1883CB1D-3F07-5442-93CE-7F2480D29A28}" type="datetimeFigureOut">
               <a:rPr kumimoji="1" lang="ja-JP" altLang="en-US" smtClean="0"/>
-              <a:t>2019/3/15</a:t>
+              <a:t>2019/3/29</a:t>
             </a:fld>
             <a:endParaRPr kumimoji="1" lang="ja-JP" altLang="en-US"/>
           </a:p>
@@ -787,7 +787,7 @@
           <a:p>
             <a:fld id="{1883CB1D-3F07-5442-93CE-7F2480D29A28}" type="datetimeFigureOut">
               <a:rPr kumimoji="1" lang="ja-JP" altLang="en-US" smtClean="0"/>
-              <a:t>2019/3/15</a:t>
+              <a:t>2019/3/29</a:t>
             </a:fld>
             <a:endParaRPr kumimoji="1" lang="ja-JP" altLang="en-US"/>
           </a:p>
@@ -1068,7 +1068,7 @@
           <a:p>
             <a:fld id="{1883CB1D-3F07-5442-93CE-7F2480D29A28}" type="datetimeFigureOut">
               <a:rPr kumimoji="1" lang="ja-JP" altLang="en-US" smtClean="0"/>
-              <a:t>2019/3/15</a:t>
+              <a:t>2019/3/29</a:t>
             </a:fld>
             <a:endParaRPr kumimoji="1" lang="ja-JP" altLang="en-US"/>
           </a:p>
@@ -1316,7 +1316,7 @@
           <a:p>
             <a:fld id="{1883CB1D-3F07-5442-93CE-7F2480D29A28}" type="datetimeFigureOut">
               <a:rPr kumimoji="1" lang="ja-JP" altLang="en-US" smtClean="0"/>
-              <a:t>2019/3/15</a:t>
+              <a:t>2019/3/29</a:t>
             </a:fld>
             <a:endParaRPr kumimoji="1" lang="ja-JP" altLang="en-US"/>
           </a:p>
@@ -1773,7 +1773,7 @@
           <a:p>
             <a:fld id="{1883CB1D-3F07-5442-93CE-7F2480D29A28}" type="datetimeFigureOut">
               <a:rPr kumimoji="1" lang="ja-JP" altLang="en-US" smtClean="0"/>
-              <a:t>2019/3/15</a:t>
+              <a:t>2019/3/29</a:t>
             </a:fld>
             <a:endParaRPr kumimoji="1" lang="ja-JP" altLang="en-US"/>
           </a:p>
@@ -1891,7 +1891,7 @@
           <a:p>
             <a:fld id="{1883CB1D-3F07-5442-93CE-7F2480D29A28}" type="datetimeFigureOut">
               <a:rPr kumimoji="1" lang="ja-JP" altLang="en-US" smtClean="0"/>
-              <a:t>2019/3/15</a:t>
+              <a:t>2019/3/29</a:t>
             </a:fld>
             <a:endParaRPr kumimoji="1" lang="ja-JP" altLang="en-US"/>
           </a:p>
@@ -1986,7 +1986,7 @@
           <a:p>
             <a:fld id="{1883CB1D-3F07-5442-93CE-7F2480D29A28}" type="datetimeFigureOut">
               <a:rPr kumimoji="1" lang="ja-JP" altLang="en-US" smtClean="0"/>
-              <a:t>2019/3/15</a:t>
+              <a:t>2019/3/29</a:t>
             </a:fld>
             <a:endParaRPr kumimoji="1" lang="ja-JP" altLang="en-US"/>
           </a:p>
@@ -2308,7 +2308,7 @@
           <a:p>
             <a:fld id="{1883CB1D-3F07-5442-93CE-7F2480D29A28}" type="datetimeFigureOut">
               <a:rPr kumimoji="1" lang="ja-JP" altLang="en-US" smtClean="0"/>
-              <a:t>2019/3/15</a:t>
+              <a:t>2019/3/29</a:t>
             </a:fld>
             <a:endParaRPr kumimoji="1" lang="ja-JP" altLang="en-US"/>
           </a:p>
@@ -2602,7 +2602,7 @@
           <a:p>
             <a:fld id="{1883CB1D-3F07-5442-93CE-7F2480D29A28}" type="datetimeFigureOut">
               <a:rPr kumimoji="1" lang="ja-JP" altLang="en-US" smtClean="0"/>
-              <a:t>2019/3/15</a:t>
+              <a:t>2019/3/29</a:t>
             </a:fld>
             <a:endParaRPr kumimoji="1" lang="ja-JP" altLang="en-US"/>
           </a:p>
@@ -2823,7 +2823,7 @@
           <a:p>
             <a:fld id="{1883CB1D-3F07-5442-93CE-7F2480D29A28}" type="datetimeFigureOut">
               <a:rPr kumimoji="1" lang="ja-JP" altLang="en-US" smtClean="0"/>
-              <a:t>2019/3/15</a:t>
+              <a:t>2019/3/29</a:t>
             </a:fld>
             <a:endParaRPr kumimoji="1" lang="ja-JP" altLang="en-US"/>
           </a:p>
@@ -3855,7 +3855,7 @@
           <p:spPr>
             <a:xfrm>
               <a:off x="2790987" y="58425"/>
-              <a:ext cx="6858000" cy="852304"/>
+              <a:ext cx="6858000" cy="303746"/>
             </a:xfrm>
             <a:prstGeom prst="rect">
               <a:avLst/>
@@ -3870,34 +3870,14 @@
             <a:p>
               <a:pPr algn="ctr"/>
               <a:r>
-                <a:rPr lang="ja-JP" altLang="en-US" sz="1300" b="1" dirty="0">
+                <a:rPr lang="en-US" altLang="ja-JP" dirty="0">
                   <a:solidFill>
                     <a:schemeClr val="bg1"/>
                   </a:solidFill>
+                  <a:latin typeface="Impact" panose="020B0806030902050204" pitchFamily="34" charset="0"/>
                 </a:rPr>
-                <a:t>タイトルをここにお書き</a:t>
+                <a:t>Write title here</a:t>
               </a:r>
-              <a:endParaRPr lang="en-US" altLang="ja-JP" sz="1300" b="1" dirty="0">
-                <a:solidFill>
-                  <a:schemeClr val="bg1"/>
-                </a:solidFill>
-              </a:endParaRPr>
-            </a:p>
-            <a:p>
-              <a:pPr algn="ctr"/>
-              <a:endParaRPr lang="en-US" altLang="ja-JP" sz="1300" b="1" dirty="0">
-                <a:solidFill>
-                  <a:schemeClr val="bg1"/>
-                </a:solidFill>
-              </a:endParaRPr>
-            </a:p>
-            <a:p>
-              <a:pPr algn="ctr"/>
-              <a:endParaRPr lang="ja-JP" altLang="en-US" sz="1300" b="1" dirty="0">
-                <a:solidFill>
-                  <a:schemeClr val="bg1"/>
-                </a:solidFill>
-              </a:endParaRPr>
             </a:p>
           </p:txBody>
         </p:sp>
